--- a/Volunteer Recognition Minitheme by Slidesgo.pptx
+++ b/Volunteer Recognition Minitheme by Slidesgo.pptx
@@ -47388,7 +47388,7 @@
           <p:nvPr>
             <p:extLst>
               <p:ext uri="{D42A27DB-BD31-4B8C-83A1-F6EECF244321}">
-                <p14:modId xmlns:p14="http://schemas.microsoft.com/office/powerpoint/2010/main" val="4247019964"/>
+                <p14:modId xmlns:p14="http://schemas.microsoft.com/office/powerpoint/2010/main" val="1492642257"/>
               </p:ext>
             </p:extLst>
           </p:nvPr>
